--- a/Programação Multiplataforma/Estrutura.pptx
+++ b/Programação Multiplataforma/Estrutura.pptx
@@ -104,6 +104,11 @@
       </a:defRPr>
     </a:lvl9pPr>
   </p:defaultTextStyle>
+  <p:extLst>
+    <p:ext uri="{EFAFB233-063F-42B5-8137-9DF3F51BA10A}">
+      <p15:sldGuideLst xmlns:p15="http://schemas.microsoft.com/office/powerpoint/2012/main"/>
+    </p:ext>
+  </p:extLst>
 </p:presentation>
 </file>
 
@@ -254,7 +259,7 @@
           <a:p>
             <a:fld id="{2FCC290D-B5B7-4C29-AAC5-DE3CAF543D46}" type="datetimeFigureOut">
               <a:rPr lang="en-US" smtClean="0"/>
-              <a:t>8/29/2025</a:t>
+              <a:t>9/5/2025</a:t>
             </a:fld>
             <a:endParaRPr lang="en-US"/>
           </a:p>
@@ -452,7 +457,7 @@
           <a:p>
             <a:fld id="{2FCC290D-B5B7-4C29-AAC5-DE3CAF543D46}" type="datetimeFigureOut">
               <a:rPr lang="en-US" smtClean="0"/>
-              <a:t>8/29/2025</a:t>
+              <a:t>9/5/2025</a:t>
             </a:fld>
             <a:endParaRPr lang="en-US"/>
           </a:p>
@@ -660,7 +665,7 @@
           <a:p>
             <a:fld id="{2FCC290D-B5B7-4C29-AAC5-DE3CAF543D46}" type="datetimeFigureOut">
               <a:rPr lang="en-US" smtClean="0"/>
-              <a:t>8/29/2025</a:t>
+              <a:t>9/5/2025</a:t>
             </a:fld>
             <a:endParaRPr lang="en-US"/>
           </a:p>
@@ -858,7 +863,7 @@
           <a:p>
             <a:fld id="{2FCC290D-B5B7-4C29-AAC5-DE3CAF543D46}" type="datetimeFigureOut">
               <a:rPr lang="en-US" smtClean="0"/>
-              <a:t>8/29/2025</a:t>
+              <a:t>9/5/2025</a:t>
             </a:fld>
             <a:endParaRPr lang="en-US"/>
           </a:p>
@@ -1133,7 +1138,7 @@
           <a:p>
             <a:fld id="{2FCC290D-B5B7-4C29-AAC5-DE3CAF543D46}" type="datetimeFigureOut">
               <a:rPr lang="en-US" smtClean="0"/>
-              <a:t>8/29/2025</a:t>
+              <a:t>9/5/2025</a:t>
             </a:fld>
             <a:endParaRPr lang="en-US"/>
           </a:p>
@@ -1398,7 +1403,7 @@
           <a:p>
             <a:fld id="{2FCC290D-B5B7-4C29-AAC5-DE3CAF543D46}" type="datetimeFigureOut">
               <a:rPr lang="en-US" smtClean="0"/>
-              <a:t>8/29/2025</a:t>
+              <a:t>9/5/2025</a:t>
             </a:fld>
             <a:endParaRPr lang="en-US"/>
           </a:p>
@@ -1810,7 +1815,7 @@
           <a:p>
             <a:fld id="{2FCC290D-B5B7-4C29-AAC5-DE3CAF543D46}" type="datetimeFigureOut">
               <a:rPr lang="en-US" smtClean="0"/>
-              <a:t>8/29/2025</a:t>
+              <a:t>9/5/2025</a:t>
             </a:fld>
             <a:endParaRPr lang="en-US"/>
           </a:p>
@@ -1951,7 +1956,7 @@
           <a:p>
             <a:fld id="{2FCC290D-B5B7-4C29-AAC5-DE3CAF543D46}" type="datetimeFigureOut">
               <a:rPr lang="en-US" smtClean="0"/>
-              <a:t>8/29/2025</a:t>
+              <a:t>9/5/2025</a:t>
             </a:fld>
             <a:endParaRPr lang="en-US"/>
           </a:p>
@@ -2064,7 +2069,7 @@
           <a:p>
             <a:fld id="{2FCC290D-B5B7-4C29-AAC5-DE3CAF543D46}" type="datetimeFigureOut">
               <a:rPr lang="en-US" smtClean="0"/>
-              <a:t>8/29/2025</a:t>
+              <a:t>9/5/2025</a:t>
             </a:fld>
             <a:endParaRPr lang="en-US"/>
           </a:p>
@@ -2375,7 +2380,7 @@
           <a:p>
             <a:fld id="{2FCC290D-B5B7-4C29-AAC5-DE3CAF543D46}" type="datetimeFigureOut">
               <a:rPr lang="en-US" smtClean="0"/>
-              <a:t>8/29/2025</a:t>
+              <a:t>9/5/2025</a:t>
             </a:fld>
             <a:endParaRPr lang="en-US"/>
           </a:p>
@@ -2663,7 +2668,7 @@
           <a:p>
             <a:fld id="{2FCC290D-B5B7-4C29-AAC5-DE3CAF543D46}" type="datetimeFigureOut">
               <a:rPr lang="en-US" smtClean="0"/>
-              <a:t>8/29/2025</a:t>
+              <a:t>9/5/2025</a:t>
             </a:fld>
             <a:endParaRPr lang="en-US"/>
           </a:p>
@@ -2904,7 +2909,7 @@
           <a:p>
             <a:fld id="{2FCC290D-B5B7-4C29-AAC5-DE3CAF543D46}" type="datetimeFigureOut">
               <a:rPr lang="en-US" smtClean="0"/>
-              <a:t>8/29/2025</a:t>
+              <a:t>9/5/2025</a:t>
             </a:fld>
             <a:endParaRPr lang="en-US"/>
           </a:p>
@@ -3514,13 +3519,13 @@
         </p:spPr>
         <p:style>
           <a:lnRef idx="1">
-            <a:schemeClr val="accent2"/>
+            <a:schemeClr val="accent6"/>
           </a:lnRef>
           <a:fillRef idx="2">
-            <a:schemeClr val="accent2"/>
+            <a:schemeClr val="accent6"/>
           </a:fillRef>
           <a:effectRef idx="1">
-            <a:schemeClr val="accent2"/>
+            <a:schemeClr val="accent6"/>
           </a:effectRef>
           <a:fontRef idx="minor">
             <a:schemeClr val="dk1"/>
@@ -4179,8 +4184,8 @@
         </p:nvSpPr>
         <p:spPr>
           <a:xfrm>
-            <a:off x="7754112" y="1355252"/>
-            <a:ext cx="4041648" cy="3170099"/>
+            <a:off x="7749553" y="1277314"/>
+            <a:ext cx="4041648" cy="3477875"/>
           </a:xfrm>
           <a:prstGeom prst="rect">
             <a:avLst/>
@@ -4203,118 +4208,98 @@
             </a:r>
           </a:p>
           <a:p>
-            <a:endParaRPr lang="en-US" sz="2000" dirty="0"/>
-          </a:p>
-          <a:p>
             <a:pPr marL="342900" indent="-342900">
               <a:buFont typeface="+mj-lt"/>
               <a:buAutoNum type="arabicPeriod"/>
             </a:pPr>
             <a:r>
               <a:rPr lang="en-US" sz="2000" dirty="0" err="1"/>
-              <a:t>Mapear</a:t>
+              <a:t>Finalizar</a:t>
             </a:r>
             <a:r>
               <a:rPr lang="en-US" sz="2000" dirty="0"/>
-              <a:t> </a:t>
-            </a:r>
-            <a:r>
-              <a:rPr lang="en-US" sz="2000" dirty="0" err="1"/>
-              <a:t>todas</a:t>
-            </a:r>
-            <a:r>
-              <a:rPr lang="en-US" sz="2000" dirty="0"/>
-              <a:t> as </a:t>
-            </a:r>
-            <a:r>
-              <a:rPr lang="en-US" sz="2000" dirty="0" err="1"/>
-              <a:t>rotas</a:t>
-            </a:r>
-            <a:r>
-              <a:rPr lang="en-US" sz="2000" dirty="0"/>
-              <a:t> da “</a:t>
-            </a:r>
-            <a:r>
-              <a:rPr lang="en-US" sz="2000" dirty="0" err="1"/>
-              <a:t>UserAPI</a:t>
-            </a:r>
-            <a:r>
-              <a:rPr lang="en-US" sz="2000" dirty="0"/>
-              <a:t>”, “</a:t>
-            </a:r>
-            <a:r>
-              <a:rPr lang="en-US" sz="2000" dirty="0" err="1"/>
-              <a:t>CurrencyAPI</a:t>
-            </a:r>
-            <a:r>
-              <a:rPr lang="en-US" sz="2000" dirty="0"/>
-              <a:t>” e “</a:t>
-            </a:r>
-            <a:r>
-              <a:rPr lang="en-US" sz="2000" dirty="0" err="1"/>
-              <a:t>ChatbotAPI</a:t>
-            </a:r>
-            <a:r>
-              <a:rPr lang="en-US" sz="2000" dirty="0"/>
-              <a:t>” no </a:t>
-            </a:r>
-            <a:r>
-              <a:rPr lang="en-US" sz="2000" dirty="0" err="1"/>
-              <a:t>arquivo</a:t>
-            </a:r>
-            <a:r>
-              <a:rPr lang="en-US" sz="2000" dirty="0"/>
-              <a:t> </a:t>
-            </a:r>
-            <a:r>
-              <a:rPr lang="en-US" sz="2000" dirty="0" err="1"/>
-              <a:t>ocelot.json</a:t>
-            </a:r>
-            <a:r>
-              <a:rPr lang="en-US" sz="2000" dirty="0"/>
-              <a:t> da “</a:t>
+              <a:t> a </a:t>
             </a:r>
             <a:r>
               <a:rPr lang="en-US" sz="2000" dirty="0" err="1"/>
               <a:t>GatewayAPI</a:t>
             </a:r>
-            <a:r>
-              <a:rPr lang="en-US" sz="2000" dirty="0"/>
-              <a:t>”</a:t>
-            </a:r>
+            <a:endParaRPr lang="en-US" sz="2000" dirty="0"/>
           </a:p>
           <a:p>
             <a:pPr marL="342900" indent="-342900">
               <a:buFont typeface="+mj-lt"/>
               <a:buAutoNum type="arabicPeriod"/>
             </a:pPr>
+            <a:endParaRPr lang="en-US" sz="2000" dirty="0"/>
+          </a:p>
+          <a:p>
+            <a:r>
+              <a:rPr lang="en-US" sz="2000" b="1" dirty="0" err="1"/>
+              <a:t>Tarefas</a:t>
+            </a:r>
+            <a:r>
+              <a:rPr lang="en-US" sz="2000" b="1" dirty="0"/>
+              <a:t> </a:t>
+            </a:r>
+            <a:r>
+              <a:rPr lang="en-US" sz="2000" b="1" dirty="0" err="1"/>
+              <a:t>próxima</a:t>
+            </a:r>
+            <a:r>
+              <a:rPr lang="en-US" sz="2000" b="1" dirty="0"/>
+              <a:t> aula:</a:t>
+            </a:r>
+          </a:p>
+          <a:p>
+            <a:pPr marL="457200" indent="-457200">
+              <a:buAutoNum type="arabicPeriod"/>
+            </a:pPr>
+            <a:r>
+              <a:rPr lang="en-US" sz="2000" dirty="0"/>
+              <a:t>Mobile (interface </a:t>
+            </a:r>
             <a:r>
               <a:rPr lang="en-US" sz="2000" dirty="0" err="1"/>
-              <a:t>Alterar</a:t>
+              <a:t>limitada</a:t>
             </a:r>
             <a:r>
               <a:rPr lang="en-US" sz="2000" dirty="0"/>
-              <a:t> o frontend para </a:t>
+              <a:t> </a:t>
             </a:r>
             <a:r>
               <a:rPr lang="en-US" sz="2000" dirty="0" err="1"/>
-              <a:t>acessar</a:t>
+              <a:t>em</a:t>
             </a:r>
             <a:r>
               <a:rPr lang="en-US" sz="2000" dirty="0"/>
-              <a:t> as </a:t>
+              <a:t> </a:t>
             </a:r>
             <a:r>
               <a:rPr lang="en-US" sz="2000" dirty="0" err="1"/>
-              <a:t>rotas</a:t>
+              <a:t>comparação</a:t>
             </a:r>
             <a:r>
               <a:rPr lang="en-US" sz="2000" dirty="0"/>
-              <a:t> a </a:t>
+              <a:t> </a:t>
             </a:r>
             <a:r>
               <a:rPr lang="en-US" sz="2000" dirty="0" err="1"/>
-              <a:t>partir</a:t>
+              <a:t>ao</a:t>
+            </a:r>
+            <a:r>
+              <a:rPr lang="en-US" sz="2000" dirty="0"/>
+              <a:t> Frontend)</a:t>
+            </a:r>
+          </a:p>
+          <a:p>
+            <a:pPr marL="914400" lvl="1" indent="-457200">
+              <a:buFont typeface="+mj-lt"/>
+              <a:buAutoNum type="alphaLcParenR"/>
+            </a:pPr>
+            <a:r>
+              <a:rPr lang="en-US" sz="2000" dirty="0" err="1"/>
+              <a:t>Registro</a:t>
             </a:r>
             <a:r>
               <a:rPr lang="en-US" sz="2000" dirty="0"/>
@@ -4322,35 +4307,43 @@
             </a:r>
             <a:r>
               <a:rPr lang="en-US" sz="2000" dirty="0" err="1"/>
-              <a:t>GatewayAPI</a:t>
+              <a:t>usuários</a:t>
             </a:r>
             <a:endParaRPr lang="en-US" sz="2000" dirty="0"/>
           </a:p>
           <a:p>
-            <a:pPr marL="342900" indent="-342900">
+            <a:pPr marL="914400" lvl="1" indent="-457200">
               <a:buFont typeface="+mj-lt"/>
+              <a:buAutoNum type="alphaLcParenR"/>
+            </a:pPr>
+            <a:r>
+              <a:rPr lang="en-US" sz="2000" dirty="0"/>
+              <a:t>Login </a:t>
+            </a:r>
+          </a:p>
+          <a:p>
+            <a:pPr marL="914400" lvl="1" indent="-457200">
+              <a:buFont typeface="+mj-lt"/>
+              <a:buAutoNum type="alphaLcParenR"/>
+            </a:pPr>
+            <a:r>
+              <a:rPr lang="en-US" sz="2000" dirty="0" err="1"/>
+              <a:t>Alteração</a:t>
+            </a:r>
+            <a:r>
+              <a:rPr lang="en-US" sz="2000" dirty="0"/>
+              <a:t> de dados </a:t>
+            </a:r>
+            <a:r>
+              <a:rPr lang="en-US" sz="2000" dirty="0" err="1"/>
+              <a:t>pessoais</a:t>
+            </a:r>
+            <a:endParaRPr lang="en-US" sz="2000" dirty="0"/>
+          </a:p>
+          <a:p>
+            <a:pPr marL="457200" indent="-457200">
               <a:buAutoNum type="arabicPeriod"/>
             </a:pPr>
-            <a:r>
-              <a:rPr lang="en-US" sz="2000" dirty="0" err="1"/>
-              <a:t>Implementar</a:t>
-            </a:r>
-            <a:r>
-              <a:rPr lang="en-US" sz="2000" dirty="0"/>
-              <a:t> </a:t>
-            </a:r>
-            <a:r>
-              <a:rPr lang="en-US" sz="2000" dirty="0" err="1"/>
-              <a:t>autenticação</a:t>
-            </a:r>
-            <a:r>
-              <a:rPr lang="en-US" sz="2000" dirty="0"/>
-              <a:t> no </a:t>
-            </a:r>
-            <a:r>
-              <a:rPr lang="en-US" sz="2000" dirty="0" err="1"/>
-              <a:t>GatewayAPI</a:t>
-            </a:r>
             <a:endParaRPr lang="en-US" sz="2000" dirty="0"/>
           </a:p>
         </p:txBody>
